--- a/src/lessons/session04/Session_04.pptx
+++ b/src/lessons/session04/Session_04.pptx
@@ -3977,10 +3977,10 @@
       </p:sp>
       <p:pic>
         <p:nvPicPr>
-          <p:cNvPr id="5" name="Picture 4">
-            <a:extLst>
-              <a:ext uri="{FF2B5EF4-FFF2-40B4-BE49-F238E27FC236}">
-                <a16:creationId xmlns:a16="http://schemas.microsoft.com/office/drawing/2014/main" id="{EECB63CE-47DA-8430-DD77-20B40134711D}"/>
+          <p:cNvPr id="7" name="Picture 6">
+            <a:extLst>
+              <a:ext uri="{FF2B5EF4-FFF2-40B4-BE49-F238E27FC236}">
+                <a16:creationId xmlns:a16="http://schemas.microsoft.com/office/drawing/2014/main" id="{CAD322A7-A51C-7445-D015-FA0D19562511}"/>
               </a:ext>
             </a:extLst>
           </p:cNvPr>
@@ -3997,8 +3997,8 @@
         </p:blipFill>
         <p:spPr>
           <a:xfrm>
-            <a:off x="1057275" y="1342368"/>
-            <a:ext cx="9925702" cy="4438322"/>
+            <a:off x="1235950" y="1377183"/>
+            <a:ext cx="9294283" cy="4508609"/>
           </a:xfrm>
           <a:prstGeom prst="rect">
             <a:avLst/>
